--- a/Lecture/TongQuatComputerVision.pptx
+++ b/Lecture/TongQuatComputerVision.pptx
@@ -5,10 +5,14 @@
     <p:sldMasterId id="2147483660" r:id="rId1"/>
   </p:sldMasterIdLst>
   <p:notesMasterIdLst>
-    <p:notesMasterId r:id="rId3"/>
+    <p:notesMasterId r:id="rId7"/>
   </p:notesMasterIdLst>
   <p:sldIdLst>
     <p:sldId id="256" r:id="rId2"/>
+    <p:sldId id="257" r:id="rId3"/>
+    <p:sldId id="258" r:id="rId4"/>
+    <p:sldId id="259" r:id="rId5"/>
+    <p:sldId id="260" r:id="rId6"/>
   </p:sldIdLst>
   <p:sldSz cx="12192000" cy="6858000"/>
   <p:notesSz cx="6858000" cy="9144000"/>
@@ -107,6 +111,11 @@
       </a:defRPr>
     </a:lvl9pPr>
   </p:defaultTextStyle>
+  <p:extLst>
+    <p:ext uri="{EFAFB233-063F-42B5-8137-9DF3F51BA10A}">
+      <p15:sldGuideLst xmlns:p15="http://schemas.microsoft.com/office/powerpoint/2012/main"/>
+    </p:ext>
+  </p:extLst>
 </p:presentation>
 </file>
 
@@ -192,7 +201,7 @@
           <a:p>
             <a:fld id="{AE8F29AD-75C7-42EE-B3F9-00C51E6F93FC}" type="datetimeFigureOut">
               <a:rPr lang="en-US" smtClean="0"/>
-              <a:t>2/12/2020</a:t>
+              <a:t>2/13/2020</a:t>
             </a:fld>
             <a:endParaRPr lang="en-US"/>
           </a:p>
@@ -647,7 +656,7 @@
           <a:p>
             <a:fld id="{E6618BB7-23BA-42BA-A2E6-0E152C20C58C}" type="datetimeFigureOut">
               <a:rPr lang="en-US" smtClean="0"/>
-              <a:t>2/12/2020</a:t>
+              <a:t>2/13/2020</a:t>
             </a:fld>
             <a:endParaRPr lang="en-US"/>
           </a:p>
@@ -985,7 +994,7 @@
           <a:p>
             <a:fld id="{E6618BB7-23BA-42BA-A2E6-0E152C20C58C}" type="datetimeFigureOut">
               <a:rPr lang="en-US" smtClean="0"/>
-              <a:t>2/12/2020</a:t>
+              <a:t>2/13/2020</a:t>
             </a:fld>
             <a:endParaRPr lang="en-US"/>
           </a:p>
@@ -1386,7 +1395,7 @@
           <a:p>
             <a:fld id="{E6618BB7-23BA-42BA-A2E6-0E152C20C58C}" type="datetimeFigureOut">
               <a:rPr lang="en-US" smtClean="0"/>
-              <a:t>2/12/2020</a:t>
+              <a:t>2/13/2020</a:t>
             </a:fld>
             <a:endParaRPr lang="en-US"/>
           </a:p>
@@ -1722,7 +1731,7 @@
           <a:p>
             <a:fld id="{E6618BB7-23BA-42BA-A2E6-0E152C20C58C}" type="datetimeFigureOut">
               <a:rPr lang="en-US" smtClean="0"/>
-              <a:t>2/12/2020</a:t>
+              <a:t>2/13/2020</a:t>
             </a:fld>
             <a:endParaRPr lang="en-US"/>
           </a:p>
@@ -2042,7 +2051,7 @@
           <a:p>
             <a:fld id="{E6618BB7-23BA-42BA-A2E6-0E152C20C58C}" type="datetimeFigureOut">
               <a:rPr lang="en-US" smtClean="0"/>
-              <a:t>2/12/2020</a:t>
+              <a:t>2/13/2020</a:t>
             </a:fld>
             <a:endParaRPr lang="en-US"/>
           </a:p>
@@ -2438,7 +2447,7 @@
           <a:p>
             <a:fld id="{E6618BB7-23BA-42BA-A2E6-0E152C20C58C}" type="datetimeFigureOut">
               <a:rPr lang="en-US" smtClean="0"/>
-              <a:t>2/12/2020</a:t>
+              <a:t>2/13/2020</a:t>
             </a:fld>
             <a:endParaRPr lang="en-US"/>
           </a:p>
@@ -2695,7 +2704,7 @@
           <a:p>
             <a:fld id="{E6618BB7-23BA-42BA-A2E6-0E152C20C58C}" type="datetimeFigureOut">
               <a:rPr lang="en-US" smtClean="0"/>
-              <a:t>2/12/2020</a:t>
+              <a:t>2/13/2020</a:t>
             </a:fld>
             <a:endParaRPr lang="en-US"/>
           </a:p>
@@ -2957,7 +2966,7 @@
           <a:p>
             <a:fld id="{E6618BB7-23BA-42BA-A2E6-0E152C20C58C}" type="datetimeFigureOut">
               <a:rPr lang="en-US" smtClean="0"/>
-              <a:t>2/12/2020</a:t>
+              <a:t>2/13/2020</a:t>
             </a:fld>
             <a:endParaRPr lang="en-US"/>
           </a:p>
@@ -3219,7 +3228,7 @@
           <a:p>
             <a:fld id="{E6618BB7-23BA-42BA-A2E6-0E152C20C58C}" type="datetimeFigureOut">
               <a:rPr lang="en-US" smtClean="0"/>
-              <a:t>2/12/2020</a:t>
+              <a:t>2/13/2020</a:t>
             </a:fld>
             <a:endParaRPr lang="en-US"/>
           </a:p>
@@ -3548,7 +3557,7 @@
           <a:p>
             <a:fld id="{E6618BB7-23BA-42BA-A2E6-0E152C20C58C}" type="datetimeFigureOut">
               <a:rPr lang="en-US" smtClean="0"/>
-              <a:t>2/12/2020</a:t>
+              <a:t>2/13/2020</a:t>
             </a:fld>
             <a:endParaRPr lang="en-US"/>
           </a:p>
@@ -3871,7 +3880,7 @@
           <a:p>
             <a:fld id="{E6618BB7-23BA-42BA-A2E6-0E152C20C58C}" type="datetimeFigureOut">
               <a:rPr lang="en-US" smtClean="0"/>
-              <a:t>2/12/2020</a:t>
+              <a:t>2/13/2020</a:t>
             </a:fld>
             <a:endParaRPr lang="en-US"/>
           </a:p>
@@ -4328,7 +4337,7 @@
           <a:p>
             <a:fld id="{E6618BB7-23BA-42BA-A2E6-0E152C20C58C}" type="datetimeFigureOut">
               <a:rPr lang="en-US" smtClean="0"/>
-              <a:t>2/12/2020</a:t>
+              <a:t>2/13/2020</a:t>
             </a:fld>
             <a:endParaRPr lang="en-US"/>
           </a:p>
@@ -4533,7 +4542,7 @@
           <a:p>
             <a:fld id="{E6618BB7-23BA-42BA-A2E6-0E152C20C58C}" type="datetimeFigureOut">
               <a:rPr lang="en-US" smtClean="0"/>
-              <a:t>2/12/2020</a:t>
+              <a:t>2/13/2020</a:t>
             </a:fld>
             <a:endParaRPr lang="en-US"/>
           </a:p>
@@ -4710,7 +4719,7 @@
           <a:p>
             <a:fld id="{E6618BB7-23BA-42BA-A2E6-0E152C20C58C}" type="datetimeFigureOut">
               <a:rPr lang="en-US" smtClean="0"/>
-              <a:t>2/12/2020</a:t>
+              <a:t>2/13/2020</a:t>
             </a:fld>
             <a:endParaRPr lang="en-US"/>
           </a:p>
@@ -5043,7 +5052,7 @@
           <a:p>
             <a:fld id="{E6618BB7-23BA-42BA-A2E6-0E152C20C58C}" type="datetimeFigureOut">
               <a:rPr lang="en-US" smtClean="0"/>
-              <a:t>2/12/2020</a:t>
+              <a:t>2/13/2020</a:t>
             </a:fld>
             <a:endParaRPr lang="en-US"/>
           </a:p>
@@ -5388,7 +5397,7 @@
           <a:p>
             <a:fld id="{E6618BB7-23BA-42BA-A2E6-0E152C20C58C}" type="datetimeFigureOut">
               <a:rPr lang="en-US" smtClean="0"/>
-              <a:t>2/12/2020</a:t>
+              <a:t>2/13/2020</a:t>
             </a:fld>
             <a:endParaRPr lang="en-US"/>
           </a:p>
@@ -7505,7 +7514,7 @@
           <a:p>
             <a:fld id="{E6618BB7-23BA-42BA-A2E6-0E152C20C58C}" type="datetimeFigureOut">
               <a:rPr lang="en-US" smtClean="0"/>
-              <a:t>2/12/2020</a:t>
+              <a:t>2/13/2020</a:t>
             </a:fld>
             <a:endParaRPr lang="en-US"/>
           </a:p>
@@ -8113,6 +8122,1523 @@
     <p:extLst>
       <p:ext uri="{BB962C8B-B14F-4D97-AF65-F5344CB8AC3E}">
         <p14:creationId xmlns:p14="http://schemas.microsoft.com/office/powerpoint/2010/main" val="3862746853"/>
+      </p:ext>
+    </p:extLst>
+  </p:cSld>
+  <p:clrMapOvr>
+    <a:masterClrMapping/>
+  </p:clrMapOvr>
+</p:sld>
+</file>
+
+<file path=ppt/slides/slide2.xml><?xml version="1.0" encoding="utf-8"?>
+<p:sld xmlns:a="http://schemas.openxmlformats.org/drawingml/2006/main" xmlns:r="http://schemas.openxmlformats.org/officeDocument/2006/relationships" xmlns:p="http://schemas.openxmlformats.org/presentationml/2006/main">
+  <p:cSld>
+    <p:spTree>
+      <p:nvGrpSpPr>
+        <p:cNvPr id="1" name=""/>
+        <p:cNvGrpSpPr/>
+        <p:nvPr/>
+      </p:nvGrpSpPr>
+      <p:grpSpPr>
+        <a:xfrm>
+          <a:off x="0" y="0"/>
+          <a:ext cx="0" cy="0"/>
+          <a:chOff x="0" y="0"/>
+          <a:chExt cx="0" cy="0"/>
+        </a:xfrm>
+      </p:grpSpPr>
+      <p:sp>
+        <p:nvSpPr>
+          <p:cNvPr id="2" name="Title 1">
+            <a:extLst>
+              <a:ext uri="{FF2B5EF4-FFF2-40B4-BE49-F238E27FC236}">
+                <a16:creationId xmlns:a16="http://schemas.microsoft.com/office/drawing/2014/main" id="{989ABB5B-2BE3-4E52-A520-389895E40DDD}"/>
+              </a:ext>
+            </a:extLst>
+          </p:cNvPr>
+          <p:cNvSpPr>
+            <a:spLocks noGrp="1"/>
+          </p:cNvSpPr>
+          <p:nvPr>
+            <p:ph type="title"/>
+          </p:nvPr>
+        </p:nvSpPr>
+        <p:spPr/>
+        <p:txBody>
+          <a:bodyPr/>
+          <a:lstStyle/>
+          <a:p>
+            <a:r>
+              <a:rPr lang="en-US" dirty="0"/>
+              <a:t>Deep Learning, Machine Learning </a:t>
+            </a:r>
+            <a:r>
+              <a:rPr lang="en-US" dirty="0" err="1"/>
+              <a:t>và</a:t>
+            </a:r>
+            <a:r>
+              <a:rPr lang="en-US" dirty="0"/>
+              <a:t> AI</a:t>
+            </a:r>
+          </a:p>
+        </p:txBody>
+      </p:sp>
+      <p:pic>
+        <p:nvPicPr>
+          <p:cNvPr id="5" name="Content Placeholder 4">
+            <a:extLst>
+              <a:ext uri="{FF2B5EF4-FFF2-40B4-BE49-F238E27FC236}">
+                <a16:creationId xmlns:a16="http://schemas.microsoft.com/office/drawing/2014/main" id="{BDA23CAC-7BAD-4618-AA5E-4C9AD46CF144}"/>
+              </a:ext>
+            </a:extLst>
+          </p:cNvPr>
+          <p:cNvPicPr>
+            <a:picLocks noGrp="1" noChangeAspect="1"/>
+          </p:cNvPicPr>
+          <p:nvPr>
+            <p:ph idx="1"/>
+          </p:nvPr>
+        </p:nvPicPr>
+        <p:blipFill>
+          <a:blip r:embed="rId2"/>
+          <a:stretch>
+            <a:fillRect/>
+          </a:stretch>
+        </p:blipFill>
+        <p:spPr>
+          <a:xfrm>
+            <a:off x="4544008" y="1967637"/>
+            <a:ext cx="4743171" cy="4266253"/>
+          </a:xfrm>
+          <a:prstGeom prst="rect">
+            <a:avLst/>
+          </a:prstGeom>
+        </p:spPr>
+      </p:pic>
+    </p:spTree>
+    <p:extLst>
+      <p:ext uri="{BB962C8B-B14F-4D97-AF65-F5344CB8AC3E}">
+        <p14:creationId xmlns:p14="http://schemas.microsoft.com/office/powerpoint/2010/main" val="4166989915"/>
+      </p:ext>
+    </p:extLst>
+  </p:cSld>
+  <p:clrMapOvr>
+    <a:masterClrMapping/>
+  </p:clrMapOvr>
+</p:sld>
+</file>
+
+<file path=ppt/slides/slide3.xml><?xml version="1.0" encoding="utf-8"?>
+<p:sld xmlns:a="http://schemas.openxmlformats.org/drawingml/2006/main" xmlns:r="http://schemas.openxmlformats.org/officeDocument/2006/relationships" xmlns:p="http://schemas.openxmlformats.org/presentationml/2006/main">
+  <p:cSld>
+    <p:spTree>
+      <p:nvGrpSpPr>
+        <p:cNvPr id="1" name=""/>
+        <p:cNvGrpSpPr/>
+        <p:nvPr/>
+      </p:nvGrpSpPr>
+      <p:grpSpPr>
+        <a:xfrm>
+          <a:off x="0" y="0"/>
+          <a:ext cx="0" cy="0"/>
+          <a:chOff x="0" y="0"/>
+          <a:chExt cx="0" cy="0"/>
+        </a:xfrm>
+      </p:grpSpPr>
+      <p:sp>
+        <p:nvSpPr>
+          <p:cNvPr id="2" name="Title 1">
+            <a:extLst>
+              <a:ext uri="{FF2B5EF4-FFF2-40B4-BE49-F238E27FC236}">
+                <a16:creationId xmlns:a16="http://schemas.microsoft.com/office/drawing/2014/main" id="{2F79A1C7-9CFB-4C3F-81A3-21879E52E1EC}"/>
+              </a:ext>
+            </a:extLst>
+          </p:cNvPr>
+          <p:cNvSpPr>
+            <a:spLocks noGrp="1"/>
+          </p:cNvSpPr>
+          <p:nvPr>
+            <p:ph type="title"/>
+          </p:nvPr>
+        </p:nvSpPr>
+        <p:spPr/>
+        <p:txBody>
+          <a:bodyPr/>
+          <a:lstStyle/>
+          <a:p>
+            <a:r>
+              <a:rPr lang="en-US" dirty="0"/>
+              <a:t>Deep Learning, Machine Learning </a:t>
+            </a:r>
+            <a:r>
+              <a:rPr lang="en-US" dirty="0" err="1"/>
+              <a:t>và</a:t>
+            </a:r>
+            <a:r>
+              <a:rPr lang="en-US" dirty="0"/>
+              <a:t> AI</a:t>
+            </a:r>
+          </a:p>
+        </p:txBody>
+      </p:sp>
+      <p:sp>
+        <p:nvSpPr>
+          <p:cNvPr id="3" name="Content Placeholder 2">
+            <a:extLst>
+              <a:ext uri="{FF2B5EF4-FFF2-40B4-BE49-F238E27FC236}">
+                <a16:creationId xmlns:a16="http://schemas.microsoft.com/office/drawing/2014/main" id="{665E62D1-1785-4AE7-9DF2-A8679E37A71C}"/>
+              </a:ext>
+            </a:extLst>
+          </p:cNvPr>
+          <p:cNvSpPr>
+            <a:spLocks noGrp="1"/>
+          </p:cNvSpPr>
+          <p:nvPr>
+            <p:ph idx="1"/>
+          </p:nvPr>
+        </p:nvSpPr>
+        <p:spPr/>
+        <p:txBody>
+          <a:bodyPr/>
+          <a:lstStyle/>
+          <a:p>
+            <a:r>
+              <a:rPr lang="en-US" dirty="0"/>
+              <a:t>AI: </a:t>
+            </a:r>
+            <a:r>
+              <a:rPr lang="en-US" dirty="0" err="1"/>
+              <a:t>Khả</a:t>
+            </a:r>
+            <a:r>
+              <a:rPr lang="en-US" dirty="0"/>
+              <a:t> </a:t>
+            </a:r>
+            <a:r>
+              <a:rPr lang="en-US" dirty="0" err="1"/>
+              <a:t>năng</a:t>
+            </a:r>
+            <a:r>
+              <a:rPr lang="en-US" dirty="0"/>
+              <a:t> </a:t>
+            </a:r>
+            <a:r>
+              <a:rPr lang="en-US" dirty="0" err="1"/>
+              <a:t>máy</a:t>
+            </a:r>
+            <a:r>
+              <a:rPr lang="en-US" dirty="0"/>
+              <a:t> </a:t>
+            </a:r>
+            <a:r>
+              <a:rPr lang="en-US" dirty="0" err="1"/>
+              <a:t>tính</a:t>
+            </a:r>
+            <a:r>
+              <a:rPr lang="en-US" dirty="0"/>
+              <a:t> </a:t>
+            </a:r>
+            <a:r>
+              <a:rPr lang="en-US" dirty="0" err="1"/>
+              <a:t>có</a:t>
+            </a:r>
+            <a:r>
+              <a:rPr lang="en-US" dirty="0"/>
+              <a:t> </a:t>
+            </a:r>
+            <a:r>
+              <a:rPr lang="en-US" dirty="0" err="1"/>
+              <a:t>thể</a:t>
+            </a:r>
+            <a:r>
+              <a:rPr lang="en-US" dirty="0"/>
+              <a:t> </a:t>
+            </a:r>
+            <a:r>
+              <a:rPr lang="en-US" dirty="0" err="1"/>
+              <a:t>giải</a:t>
+            </a:r>
+            <a:r>
+              <a:rPr lang="en-US" dirty="0"/>
+              <a:t> </a:t>
+            </a:r>
+            <a:r>
+              <a:rPr lang="en-US" dirty="0" err="1"/>
+              <a:t>quyết</a:t>
+            </a:r>
+            <a:r>
+              <a:rPr lang="en-US" dirty="0"/>
+              <a:t> </a:t>
+            </a:r>
+            <a:r>
+              <a:rPr lang="en-US" dirty="0" err="1"/>
+              <a:t>các</a:t>
+            </a:r>
+            <a:r>
+              <a:rPr lang="en-US" dirty="0"/>
+              <a:t> </a:t>
+            </a:r>
+            <a:r>
+              <a:rPr lang="en-US" dirty="0" err="1"/>
+              <a:t>vấn</a:t>
+            </a:r>
+            <a:r>
+              <a:rPr lang="en-US" dirty="0"/>
+              <a:t> </a:t>
+            </a:r>
+            <a:r>
+              <a:rPr lang="en-US" dirty="0" err="1"/>
+              <a:t>đề</a:t>
+            </a:r>
+            <a:r>
+              <a:rPr lang="en-US" dirty="0"/>
+              <a:t> </a:t>
+            </a:r>
+            <a:r>
+              <a:rPr lang="en-US" dirty="0" err="1"/>
+              <a:t>mà</a:t>
+            </a:r>
+            <a:r>
+              <a:rPr lang="en-US" dirty="0"/>
+              <a:t> </a:t>
+            </a:r>
+            <a:r>
+              <a:rPr lang="en-US" dirty="0" err="1"/>
+              <a:t>bộ</a:t>
+            </a:r>
+            <a:r>
+              <a:rPr lang="en-US" dirty="0"/>
+              <a:t> </a:t>
+            </a:r>
+            <a:r>
+              <a:rPr lang="en-US" dirty="0" err="1"/>
+              <a:t>não</a:t>
+            </a:r>
+            <a:r>
+              <a:rPr lang="en-US" dirty="0"/>
+              <a:t> con ng</a:t>
+            </a:r>
+            <a:r>
+              <a:rPr lang="vi-VN" dirty="0"/>
+              <a:t>ư</a:t>
+            </a:r>
+            <a:r>
+              <a:rPr lang="en-US" dirty="0" err="1"/>
+              <a:t>ời</a:t>
+            </a:r>
+            <a:r>
+              <a:rPr lang="en-US" dirty="0"/>
+              <a:t> </a:t>
+            </a:r>
+            <a:r>
+              <a:rPr lang="en-US" dirty="0" err="1"/>
+              <a:t>có</a:t>
+            </a:r>
+            <a:r>
+              <a:rPr lang="en-US" dirty="0"/>
+              <a:t> </a:t>
+            </a:r>
+            <a:r>
+              <a:rPr lang="en-US" dirty="0" err="1"/>
+              <a:t>thể</a:t>
+            </a:r>
+            <a:r>
+              <a:rPr lang="en-US" dirty="0"/>
+              <a:t> </a:t>
+            </a:r>
+            <a:r>
+              <a:rPr lang="en-US" dirty="0" err="1"/>
+              <a:t>làm</a:t>
+            </a:r>
+            <a:r>
+              <a:rPr lang="en-US" dirty="0"/>
+              <a:t> đ</a:t>
+            </a:r>
+            <a:r>
+              <a:rPr lang="vi-VN" dirty="0"/>
+              <a:t>ư</a:t>
+            </a:r>
+            <a:r>
+              <a:rPr lang="en-US" dirty="0" err="1"/>
+              <a:t>ợc</a:t>
+            </a:r>
+            <a:r>
+              <a:rPr lang="en-US" dirty="0"/>
+              <a:t>.</a:t>
+            </a:r>
+          </a:p>
+          <a:p>
+            <a:pPr marL="0" indent="0">
+              <a:buNone/>
+            </a:pPr>
+            <a:r>
+              <a:rPr lang="en-US" dirty="0"/>
+              <a:t>	-VD: </a:t>
+            </a:r>
+            <a:r>
+              <a:rPr lang="en-US" dirty="0" err="1"/>
+              <a:t>Nhìn</a:t>
+            </a:r>
+            <a:r>
+              <a:rPr lang="en-US" dirty="0"/>
+              <a:t> 1 </a:t>
+            </a:r>
+            <a:r>
+              <a:rPr lang="en-US" dirty="0" err="1"/>
+              <a:t>bức</a:t>
+            </a:r>
+            <a:r>
+              <a:rPr lang="en-US" dirty="0"/>
+              <a:t> </a:t>
+            </a:r>
+            <a:r>
+              <a:rPr lang="en-US" dirty="0" err="1"/>
+              <a:t>ảnh</a:t>
+            </a:r>
+            <a:r>
+              <a:rPr lang="en-US" dirty="0"/>
+              <a:t> </a:t>
+            </a:r>
+            <a:r>
+              <a:rPr lang="en-US" dirty="0" err="1"/>
+              <a:t>và</a:t>
+            </a:r>
+            <a:r>
+              <a:rPr lang="en-US" dirty="0"/>
+              <a:t> </a:t>
+            </a:r>
+            <a:r>
+              <a:rPr lang="en-US" dirty="0" err="1"/>
+              <a:t>thu</a:t>
+            </a:r>
+            <a:r>
+              <a:rPr lang="en-US" dirty="0"/>
+              <a:t> </a:t>
+            </a:r>
+            <a:r>
+              <a:rPr lang="en-US" dirty="0" err="1"/>
+              <a:t>thập</a:t>
+            </a:r>
+            <a:r>
+              <a:rPr lang="en-US" dirty="0"/>
+              <a:t> </a:t>
+            </a:r>
+            <a:r>
+              <a:rPr lang="en-US" dirty="0" err="1"/>
+              <a:t>các</a:t>
+            </a:r>
+            <a:r>
+              <a:rPr lang="en-US" dirty="0"/>
+              <a:t> </a:t>
+            </a:r>
+            <a:r>
+              <a:rPr lang="en-US" dirty="0" err="1"/>
+              <a:t>thông</a:t>
+            </a:r>
+            <a:r>
+              <a:rPr lang="en-US" dirty="0"/>
+              <a:t> tin </a:t>
+            </a:r>
+            <a:r>
+              <a:rPr lang="en-US" dirty="0" err="1"/>
+              <a:t>của</a:t>
+            </a:r>
+            <a:r>
+              <a:rPr lang="en-US" dirty="0"/>
+              <a:t> </a:t>
+            </a:r>
+            <a:r>
+              <a:rPr lang="en-US" dirty="0" err="1"/>
+              <a:t>nó</a:t>
+            </a:r>
+            <a:r>
+              <a:rPr lang="en-US" dirty="0"/>
+              <a:t>: </a:t>
+            </a:r>
+            <a:r>
+              <a:rPr lang="en-US" dirty="0" err="1"/>
+              <a:t>giới</a:t>
+            </a:r>
+            <a:r>
+              <a:rPr lang="en-US" dirty="0"/>
+              <a:t> </a:t>
+            </a:r>
+            <a:r>
+              <a:rPr lang="en-US" dirty="0" err="1"/>
+              <a:t>tính</a:t>
+            </a:r>
+            <a:r>
+              <a:rPr lang="en-US" dirty="0"/>
+              <a:t>/</a:t>
+            </a:r>
+            <a:r>
+              <a:rPr lang="en-US" dirty="0" err="1"/>
+              <a:t>màu</a:t>
+            </a:r>
+            <a:r>
+              <a:rPr lang="en-US" dirty="0"/>
+              <a:t> da/</a:t>
+            </a:r>
+            <a:r>
+              <a:rPr lang="en-US" dirty="0" err="1"/>
+              <a:t>độ</a:t>
+            </a:r>
+            <a:r>
+              <a:rPr lang="en-US" dirty="0"/>
+              <a:t> 	</a:t>
+            </a:r>
+            <a:r>
+              <a:rPr lang="en-US" dirty="0" err="1"/>
+              <a:t>tuổi</a:t>
+            </a:r>
+            <a:r>
+              <a:rPr lang="en-US" dirty="0"/>
+              <a:t>…</a:t>
+            </a:r>
+          </a:p>
+          <a:p>
+            <a:r>
+              <a:rPr lang="en-US" dirty="0"/>
+              <a:t>Machine learning:</a:t>
+            </a:r>
+          </a:p>
+          <a:p>
+            <a:pPr marL="457200" lvl="1" indent="0">
+              <a:buNone/>
+            </a:pPr>
+            <a:r>
+              <a:rPr lang="en-US" dirty="0" err="1"/>
+              <a:t>Các</a:t>
+            </a:r>
+            <a:r>
+              <a:rPr lang="en-US" dirty="0"/>
+              <a:t> </a:t>
+            </a:r>
+            <a:r>
+              <a:rPr lang="en-US" dirty="0" err="1"/>
+              <a:t>kĩ</a:t>
+            </a:r>
+            <a:r>
+              <a:rPr lang="en-US" dirty="0"/>
+              <a:t> </a:t>
+            </a:r>
+            <a:r>
+              <a:rPr lang="en-US" dirty="0" err="1"/>
+              <a:t>thuật</a:t>
+            </a:r>
+            <a:r>
+              <a:rPr lang="en-US" dirty="0"/>
+              <a:t> </a:t>
+            </a:r>
+            <a:r>
+              <a:rPr lang="en-US" dirty="0" err="1"/>
+              <a:t>giải</a:t>
+            </a:r>
+            <a:r>
+              <a:rPr lang="en-US" dirty="0"/>
+              <a:t> </a:t>
+            </a:r>
+            <a:r>
+              <a:rPr lang="en-US" dirty="0" err="1"/>
+              <a:t>thuật</a:t>
+            </a:r>
+            <a:r>
+              <a:rPr lang="en-US" dirty="0"/>
+              <a:t> </a:t>
+            </a:r>
+            <a:r>
+              <a:rPr lang="en-US" dirty="0" err="1"/>
+              <a:t>để</a:t>
+            </a:r>
+            <a:r>
+              <a:rPr lang="en-US" dirty="0"/>
+              <a:t> </a:t>
+            </a:r>
+            <a:r>
+              <a:rPr lang="en-US" dirty="0" err="1"/>
+              <a:t>máy</a:t>
+            </a:r>
+            <a:r>
+              <a:rPr lang="en-US" dirty="0"/>
+              <a:t> </a:t>
+            </a:r>
+            <a:r>
+              <a:rPr lang="en-US" dirty="0" err="1"/>
+              <a:t>tính</a:t>
+            </a:r>
+            <a:r>
+              <a:rPr lang="en-US" dirty="0"/>
+              <a:t> </a:t>
+            </a:r>
+            <a:r>
+              <a:rPr lang="en-US" dirty="0" err="1"/>
+              <a:t>tự</a:t>
+            </a:r>
+            <a:r>
+              <a:rPr lang="en-US" dirty="0"/>
+              <a:t> </a:t>
+            </a:r>
+            <a:r>
+              <a:rPr lang="en-US" dirty="0" err="1"/>
+              <a:t>học</a:t>
+            </a:r>
+            <a:r>
+              <a:rPr lang="en-US" dirty="0"/>
+              <a:t> </a:t>
+            </a:r>
+            <a:r>
+              <a:rPr lang="en-US" dirty="0" err="1"/>
+              <a:t>từ</a:t>
+            </a:r>
+            <a:r>
+              <a:rPr lang="en-US" dirty="0"/>
+              <a:t>  input data </a:t>
+            </a:r>
+            <a:r>
+              <a:rPr lang="en-US" dirty="0" err="1"/>
+              <a:t>mà</a:t>
+            </a:r>
+            <a:r>
+              <a:rPr lang="en-US" dirty="0"/>
+              <a:t> </a:t>
+            </a:r>
+            <a:r>
+              <a:rPr lang="en-US" dirty="0" err="1"/>
+              <a:t>không</a:t>
+            </a:r>
+            <a:r>
+              <a:rPr lang="en-US" dirty="0"/>
+              <a:t> </a:t>
+            </a:r>
+            <a:r>
+              <a:rPr lang="en-US" dirty="0" err="1"/>
+              <a:t>phải</a:t>
+            </a:r>
+            <a:r>
+              <a:rPr lang="en-US" dirty="0"/>
+              <a:t> hardcode, đ</a:t>
+            </a:r>
+            <a:r>
+              <a:rPr lang="vi-VN" dirty="0"/>
+              <a:t>ư</a:t>
+            </a:r>
+            <a:r>
+              <a:rPr lang="en-US" dirty="0"/>
+              <a:t>a ra </a:t>
+            </a:r>
+            <a:r>
+              <a:rPr lang="en-US" dirty="0" err="1"/>
+              <a:t>những</a:t>
+            </a:r>
+            <a:r>
+              <a:rPr lang="en-US" dirty="0"/>
+              <a:t> </a:t>
+            </a:r>
+            <a:r>
+              <a:rPr lang="en-US" dirty="0" err="1"/>
+              <a:t>dự</a:t>
+            </a:r>
+            <a:r>
+              <a:rPr lang="en-US" dirty="0"/>
+              <a:t> </a:t>
+            </a:r>
+            <a:r>
+              <a:rPr lang="en-US" dirty="0" err="1"/>
+              <a:t>đoán</a:t>
+            </a:r>
+            <a:r>
+              <a:rPr lang="en-US" dirty="0"/>
+              <a:t> </a:t>
+            </a:r>
+            <a:r>
+              <a:rPr lang="en-US" dirty="0" err="1"/>
+              <a:t>cho</a:t>
+            </a:r>
+            <a:r>
+              <a:rPr lang="en-US" dirty="0"/>
+              <a:t> </a:t>
+            </a:r>
+            <a:r>
+              <a:rPr lang="en-US" dirty="0" err="1"/>
+              <a:t>nh</a:t>
+            </a:r>
+            <a:r>
+              <a:rPr lang="vi-VN" dirty="0"/>
+              <a:t>ư</a:t>
+            </a:r>
+            <a:r>
+              <a:rPr lang="en-US" dirty="0"/>
+              <a:t>ng input data </a:t>
+            </a:r>
+            <a:r>
+              <a:rPr lang="en-US" dirty="0" err="1"/>
+              <a:t>mới</a:t>
+            </a:r>
+            <a:r>
+              <a:rPr lang="en-US" dirty="0"/>
+              <a:t> </a:t>
+            </a:r>
+            <a:r>
+              <a:rPr lang="en-US" dirty="0" err="1"/>
+              <a:t>từ</a:t>
+            </a:r>
+            <a:r>
+              <a:rPr lang="en-US" dirty="0"/>
+              <a:t> </a:t>
+            </a:r>
+            <a:r>
+              <a:rPr lang="en-US" dirty="0" err="1"/>
+              <a:t>những</a:t>
+            </a:r>
+            <a:r>
+              <a:rPr lang="en-US" dirty="0"/>
+              <a:t> </a:t>
+            </a:r>
+            <a:r>
+              <a:rPr lang="en-US" dirty="0" err="1"/>
+              <a:t>cái</a:t>
+            </a:r>
+            <a:r>
+              <a:rPr lang="en-US" dirty="0"/>
+              <a:t> </a:t>
+            </a:r>
+            <a:r>
+              <a:rPr lang="en-US" dirty="0" err="1"/>
+              <a:t>đã</a:t>
+            </a:r>
+            <a:r>
+              <a:rPr lang="en-US" dirty="0"/>
+              <a:t> </a:t>
+            </a:r>
+            <a:r>
+              <a:rPr lang="en-US" dirty="0" err="1"/>
+              <a:t>học</a:t>
+            </a:r>
+            <a:r>
+              <a:rPr lang="en-US" dirty="0"/>
+              <a:t> đ</a:t>
+            </a:r>
+            <a:r>
+              <a:rPr lang="vi-VN" dirty="0"/>
+              <a:t>ư</a:t>
+            </a:r>
+            <a:r>
+              <a:rPr lang="en-US" dirty="0" err="1"/>
+              <a:t>ợc</a:t>
+            </a:r>
+            <a:r>
+              <a:rPr lang="en-US" dirty="0"/>
+              <a:t> </a:t>
+            </a:r>
+            <a:r>
+              <a:rPr lang="en-US" dirty="0" err="1"/>
+              <a:t>từ</a:t>
+            </a:r>
+            <a:r>
+              <a:rPr lang="en-US" dirty="0"/>
+              <a:t> input data </a:t>
+            </a:r>
+            <a:r>
+              <a:rPr lang="en-US" dirty="0" err="1"/>
+              <a:t>cũ</a:t>
+            </a:r>
+            <a:r>
+              <a:rPr lang="en-US" dirty="0"/>
+              <a:t>.</a:t>
+            </a:r>
+          </a:p>
+          <a:p>
+            <a:pPr marL="457200" lvl="1" indent="0">
+              <a:buNone/>
+            </a:pPr>
+            <a:r>
+              <a:rPr lang="en-US" dirty="0"/>
+              <a:t>-VD: </a:t>
+            </a:r>
+            <a:r>
+              <a:rPr lang="en-US" dirty="0" err="1"/>
+              <a:t>Phân</a:t>
+            </a:r>
+            <a:r>
+              <a:rPr lang="en-US" dirty="0"/>
+              <a:t> </a:t>
+            </a:r>
+            <a:r>
+              <a:rPr lang="en-US" dirty="0" err="1"/>
+              <a:t>biệt</a:t>
+            </a:r>
+            <a:r>
+              <a:rPr lang="en-US" dirty="0"/>
+              <a:t> </a:t>
+            </a:r>
+            <a:r>
+              <a:rPr lang="en-US" dirty="0" err="1"/>
+              <a:t>ảnh</a:t>
+            </a:r>
+            <a:r>
+              <a:rPr lang="en-US" dirty="0"/>
+              <a:t> </a:t>
+            </a:r>
+            <a:r>
+              <a:rPr lang="en-US" dirty="0" err="1"/>
+              <a:t>và</a:t>
+            </a:r>
+            <a:r>
+              <a:rPr lang="en-US" dirty="0"/>
+              <a:t> </a:t>
+            </a:r>
+            <a:r>
+              <a:rPr lang="en-US" dirty="0" err="1"/>
+              <a:t>tranh</a:t>
+            </a:r>
+            <a:r>
+              <a:rPr lang="en-US" dirty="0"/>
+              <a:t> </a:t>
+            </a:r>
+            <a:r>
+              <a:rPr lang="en-US" dirty="0" err="1"/>
+              <a:t>vẽ</a:t>
+            </a:r>
+            <a:r>
+              <a:rPr lang="en-US" dirty="0"/>
+              <a:t>, spam mail…</a:t>
+            </a:r>
+          </a:p>
+        </p:txBody>
+      </p:sp>
+    </p:spTree>
+    <p:extLst>
+      <p:ext uri="{BB962C8B-B14F-4D97-AF65-F5344CB8AC3E}">
+        <p14:creationId xmlns:p14="http://schemas.microsoft.com/office/powerpoint/2010/main" val="3331159139"/>
+      </p:ext>
+    </p:extLst>
+  </p:cSld>
+  <p:clrMapOvr>
+    <a:masterClrMapping/>
+  </p:clrMapOvr>
+</p:sld>
+</file>
+
+<file path=ppt/slides/slide4.xml><?xml version="1.0" encoding="utf-8"?>
+<p:sld xmlns:a="http://schemas.openxmlformats.org/drawingml/2006/main" xmlns:r="http://schemas.openxmlformats.org/officeDocument/2006/relationships" xmlns:p="http://schemas.openxmlformats.org/presentationml/2006/main">
+  <p:cSld>
+    <p:bg>
+      <p:bgPr>
+        <a:gradFill rotWithShape="1">
+          <a:gsLst>
+            <a:gs pos="0">
+              <a:schemeClr val="bg2">
+                <a:tint val="90000"/>
+                <a:satMod val="92000"/>
+                <a:lumMod val="120000"/>
+              </a:schemeClr>
+            </a:gs>
+            <a:gs pos="100000">
+              <a:schemeClr val="bg2">
+                <a:shade val="98000"/>
+                <a:satMod val="120000"/>
+                <a:lumMod val="98000"/>
+              </a:schemeClr>
+            </a:gs>
+          </a:gsLst>
+          <a:path path="circle">
+            <a:fillToRect l="50000" t="50000" r="100000" b="100000"/>
+          </a:path>
+        </a:gradFill>
+        <a:effectLst/>
+      </p:bgPr>
+    </p:bg>
+    <p:spTree>
+      <p:nvGrpSpPr>
+        <p:cNvPr id="1" name=""/>
+        <p:cNvGrpSpPr/>
+        <p:nvPr/>
+      </p:nvGrpSpPr>
+      <p:grpSpPr>
+        <a:xfrm>
+          <a:off x="0" y="0"/>
+          <a:ext cx="0" cy="0"/>
+          <a:chOff x="0" y="0"/>
+          <a:chExt cx="0" cy="0"/>
+        </a:xfrm>
+      </p:grpSpPr>
+      <p:sp useBgFill="1">
+        <p:nvSpPr>
+          <p:cNvPr id="9" name="Rectangle 8">
+            <a:extLst>
+              <a:ext uri="{FF2B5EF4-FFF2-40B4-BE49-F238E27FC236}">
+                <a16:creationId xmlns:a16="http://schemas.microsoft.com/office/drawing/2014/main" id="{1EDD21E1-BAF0-4314-AB31-82ECB8AC9EA9}"/>
+              </a:ext>
+              <a:ext uri="{C183D7F6-B498-43B3-948B-1728B52AA6E4}">
+                <adec:decorative xmlns:adec="http://schemas.microsoft.com/office/drawing/2017/decorative" val="1"/>
+              </a:ext>
+            </a:extLst>
+          </p:cNvPr>
+          <p:cNvSpPr>
+            <a:spLocks noGrp="1" noRot="1" noChangeAspect="1" noMove="1" noResize="1" noEditPoints="1" noAdjustHandles="1" noChangeArrowheads="1" noChangeShapeType="1" noTextEdit="1"/>
+          </p:cNvSpPr>
+          <p:nvPr>
+            <p:extLst>
+              <p:ext uri="{386F3935-93C4-4BCD-93E2-E3B085C9AB24}">
+                <p16:designElem xmlns:p16="http://schemas.microsoft.com/office/powerpoint/2015/main" val="1"/>
+              </p:ext>
+            </p:extLst>
+          </p:nvPr>
+        </p:nvSpPr>
+        <p:spPr>
+          <a:xfrm>
+            <a:off x="0" y="-786"/>
+            <a:ext cx="12192000" cy="6854038"/>
+          </a:xfrm>
+          <a:prstGeom prst="rect">
+            <a:avLst/>
+          </a:prstGeom>
+          <a:ln>
+            <a:noFill/>
+          </a:ln>
+        </p:spPr>
+        <p:style>
+          <a:lnRef idx="2">
+            <a:schemeClr val="accent1">
+              <a:shade val="50000"/>
+            </a:schemeClr>
+          </a:lnRef>
+          <a:fillRef idx="1">
+            <a:schemeClr val="accent1"/>
+          </a:fillRef>
+          <a:effectRef idx="0">
+            <a:schemeClr val="accent1"/>
+          </a:effectRef>
+          <a:fontRef idx="minor">
+            <a:schemeClr val="lt1"/>
+          </a:fontRef>
+        </p:style>
+        <p:txBody>
+          <a:bodyPr rtlCol="0" anchor="ctr"/>
+          <a:lstStyle/>
+          <a:p>
+            <a:pPr algn="ctr"/>
+            <a:endParaRPr lang="en-US"/>
+          </a:p>
+        </p:txBody>
+      </p:sp>
+      <p:sp>
+        <p:nvSpPr>
+          <p:cNvPr id="2" name="Title 1">
+            <a:extLst>
+              <a:ext uri="{FF2B5EF4-FFF2-40B4-BE49-F238E27FC236}">
+                <a16:creationId xmlns:a16="http://schemas.microsoft.com/office/drawing/2014/main" id="{15EFA6AB-90DD-44B7-9F9C-C1883E88E79C}"/>
+              </a:ext>
+            </a:extLst>
+          </p:cNvPr>
+          <p:cNvSpPr>
+            <a:spLocks noGrp="1"/>
+          </p:cNvSpPr>
+          <p:nvPr>
+            <p:ph type="title"/>
+          </p:nvPr>
+        </p:nvSpPr>
+        <p:spPr>
+          <a:xfrm>
+            <a:off x="649224" y="645106"/>
+            <a:ext cx="5122652" cy="1259894"/>
+          </a:xfrm>
+        </p:spPr>
+        <p:txBody>
+          <a:bodyPr>
+            <a:normAutofit/>
+          </a:bodyPr>
+          <a:lstStyle/>
+          <a:p>
+            <a:r>
+              <a:rPr lang="en-US" sz="3300"/>
+              <a:t>Deep Learning, Machine Learning </a:t>
+            </a:r>
+            <a:r>
+              <a:rPr lang="en-US" sz="3300" err="1"/>
+              <a:t>và</a:t>
+            </a:r>
+            <a:r>
+              <a:rPr lang="en-US" sz="3300"/>
+              <a:t> AI</a:t>
+            </a:r>
+          </a:p>
+        </p:txBody>
+      </p:sp>
+      <p:sp>
+        <p:nvSpPr>
+          <p:cNvPr id="11" name="Rectangle 10">
+            <a:extLst>
+              <a:ext uri="{FF2B5EF4-FFF2-40B4-BE49-F238E27FC236}">
+                <a16:creationId xmlns:a16="http://schemas.microsoft.com/office/drawing/2014/main" id="{FDC8619C-F25D-468E-95FA-2A2151D7DDD2}"/>
+              </a:ext>
+              <a:ext uri="{C183D7F6-B498-43B3-948B-1728B52AA6E4}">
+                <adec:decorative xmlns:adec="http://schemas.microsoft.com/office/drawing/2017/decorative" val="1"/>
+              </a:ext>
+            </a:extLst>
+          </p:cNvPr>
+          <p:cNvSpPr>
+            <a:spLocks noGrp="1" noRot="1" noChangeAspect="1" noMove="1" noResize="1" noEditPoints="1" noAdjustHandles="1" noChangeArrowheads="1" noChangeShapeType="1" noTextEdit="1"/>
+          </p:cNvSpPr>
+          <p:nvPr>
+            <p:extLst>
+              <p:ext uri="{386F3935-93C4-4BCD-93E2-E3B085C9AB24}">
+                <p16:designElem xmlns:p16="http://schemas.microsoft.com/office/powerpoint/2015/main" val="1"/>
+              </p:ext>
+            </p:extLst>
+          </p:nvPr>
+        </p:nvSpPr>
+        <p:spPr>
+          <a:xfrm>
+            <a:off x="0" y="0"/>
+            <a:ext cx="182880" cy="6858000"/>
+          </a:xfrm>
+          <a:prstGeom prst="rect">
+            <a:avLst/>
+          </a:prstGeom>
+          <a:solidFill>
+            <a:schemeClr val="tx2"/>
+          </a:solidFill>
+          <a:ln>
+            <a:noFill/>
+          </a:ln>
+          <a:effectLst/>
+        </p:spPr>
+        <p:style>
+          <a:lnRef idx="1">
+            <a:schemeClr val="accent1"/>
+          </a:lnRef>
+          <a:fillRef idx="3">
+            <a:schemeClr val="accent1"/>
+          </a:fillRef>
+          <a:effectRef idx="2">
+            <a:schemeClr val="accent1"/>
+          </a:effectRef>
+          <a:fontRef idx="minor">
+            <a:schemeClr val="lt1"/>
+          </a:fontRef>
+        </p:style>
+      </p:sp>
+      <p:sp>
+        <p:nvSpPr>
+          <p:cNvPr id="3" name="Content Placeholder 2">
+            <a:extLst>
+              <a:ext uri="{FF2B5EF4-FFF2-40B4-BE49-F238E27FC236}">
+                <a16:creationId xmlns:a16="http://schemas.microsoft.com/office/drawing/2014/main" id="{E51BAD84-AFF0-419F-8BDA-A683A659B271}"/>
+              </a:ext>
+            </a:extLst>
+          </p:cNvPr>
+          <p:cNvSpPr>
+            <a:spLocks noGrp="1"/>
+          </p:cNvSpPr>
+          <p:nvPr>
+            <p:ph idx="1"/>
+          </p:nvPr>
+        </p:nvSpPr>
+        <p:spPr>
+          <a:xfrm>
+            <a:off x="649225" y="2133600"/>
+            <a:ext cx="5122652" cy="3759253"/>
+          </a:xfrm>
+        </p:spPr>
+        <p:txBody>
+          <a:bodyPr>
+            <a:normAutofit/>
+          </a:bodyPr>
+          <a:lstStyle/>
+          <a:p>
+            <a:r>
+              <a:rPr lang="en-US"/>
+              <a:t>Deep learning:</a:t>
+            </a:r>
+          </a:p>
+          <a:p>
+            <a:pPr marL="0" indent="0">
+              <a:buNone/>
+            </a:pPr>
+            <a:r>
+              <a:rPr lang="en-US"/>
+              <a:t>	Một kĩ thuật machine learning đ</a:t>
+            </a:r>
+            <a:r>
+              <a:rPr lang="vi-VN"/>
+              <a:t>ư</a:t>
+            </a:r>
+            <a:r>
+              <a:rPr lang="en-US"/>
+              <a:t>ợc sủ dụng phổ biến hiện nay dựa trên các </a:t>
+            </a:r>
+            <a:r>
+              <a:rPr lang="vi-VN"/>
+              <a:t>ư</a:t>
+            </a:r>
+            <a:r>
+              <a:rPr lang="en-US"/>
+              <a:t>u thế về công nghệ tài nguyền hiện tại.</a:t>
+            </a:r>
+          </a:p>
+          <a:p>
+            <a:pPr marL="0" indent="0">
+              <a:buNone/>
+            </a:pPr>
+            <a:r>
+              <a:rPr lang="en-US"/>
+              <a:t>	Ứng dụng trong xử lí ảnh, nhận dạng chữ viết, ngôn ngữ, audio...</a:t>
+            </a:r>
+          </a:p>
+          <a:p>
+            <a:pPr marL="0" indent="0">
+              <a:buNone/>
+            </a:pPr>
+            <a:endParaRPr lang="en-US" dirty="0"/>
+          </a:p>
+        </p:txBody>
+      </p:sp>
+      <p:pic>
+        <p:nvPicPr>
+          <p:cNvPr id="4" name="Picture 3">
+            <a:extLst>
+              <a:ext uri="{FF2B5EF4-FFF2-40B4-BE49-F238E27FC236}">
+                <a16:creationId xmlns:a16="http://schemas.microsoft.com/office/drawing/2014/main" id="{0290085C-E846-4A1D-80BD-E8900B8F267F}"/>
+              </a:ext>
+            </a:extLst>
+          </p:cNvPr>
+          <p:cNvPicPr>
+            <a:picLocks noChangeAspect="1"/>
+          </p:cNvPicPr>
+          <p:nvPr/>
+        </p:nvPicPr>
+        <p:blipFill>
+          <a:blip r:embed="rId2"/>
+          <a:stretch>
+            <a:fillRect/>
+          </a:stretch>
+        </p:blipFill>
+        <p:spPr>
+          <a:xfrm>
+            <a:off x="6091916" y="1783411"/>
+            <a:ext cx="5451627" cy="2971136"/>
+          </a:xfrm>
+          <a:prstGeom prst="rect">
+            <a:avLst/>
+          </a:prstGeom>
+        </p:spPr>
+      </p:pic>
+      <p:sp>
+        <p:nvSpPr>
+          <p:cNvPr id="13" name="Freeform 12">
+            <a:extLst>
+              <a:ext uri="{FF2B5EF4-FFF2-40B4-BE49-F238E27FC236}">
+                <a16:creationId xmlns:a16="http://schemas.microsoft.com/office/drawing/2014/main" id="{7D9439D6-DEAD-4CEB-A61B-BE3D64D1B598}"/>
+              </a:ext>
+              <a:ext uri="{C183D7F6-B498-43B3-948B-1728B52AA6E4}">
+                <adec:decorative xmlns:adec="http://schemas.microsoft.com/office/drawing/2017/decorative" val="1"/>
+              </a:ext>
+            </a:extLst>
+          </p:cNvPr>
+          <p:cNvSpPr>
+            <a:spLocks noGrp="1" noRot="1" noChangeAspect="1" noMove="1" noResize="1" noEditPoints="1" noAdjustHandles="1" noChangeArrowheads="1" noChangeShapeType="1" noTextEdit="1"/>
+          </p:cNvSpPr>
+          <p:nvPr>
+            <p:extLst>
+              <p:ext uri="{386F3935-93C4-4BCD-93E2-E3B085C9AB24}">
+                <p16:designElem xmlns:p16="http://schemas.microsoft.com/office/powerpoint/2015/main" val="1"/>
+              </p:ext>
+            </p:extLst>
+          </p:nvPr>
+        </p:nvSpPr>
+        <p:spPr>
+          <a:xfrm>
+            <a:off x="-1" y="6061223"/>
+            <a:ext cx="1038036" cy="506277"/>
+          </a:xfrm>
+          <a:custGeom>
+            <a:avLst/>
+            <a:gdLst>
+              <a:gd name="connsiteX0" fmla="*/ 0 w 1038036"/>
+              <a:gd name="connsiteY0" fmla="*/ 0 h 506277"/>
+              <a:gd name="connsiteX1" fmla="*/ 182880 w 1038036"/>
+              <a:gd name="connsiteY1" fmla="*/ 0 h 506277"/>
+              <a:gd name="connsiteX2" fmla="*/ 291705 w 1038036"/>
+              <a:gd name="connsiteY2" fmla="*/ 0 h 506277"/>
+              <a:gd name="connsiteX3" fmla="*/ 291705 w 1038036"/>
+              <a:gd name="connsiteY3" fmla="*/ 151 h 506277"/>
+              <a:gd name="connsiteX4" fmla="*/ 692049 w 1038036"/>
+              <a:gd name="connsiteY4" fmla="*/ 705 h 506277"/>
+              <a:gd name="connsiteX5" fmla="*/ 782744 w 1038036"/>
+              <a:gd name="connsiteY5" fmla="*/ 705 h 506277"/>
+              <a:gd name="connsiteX6" fmla="*/ 797001 w 1038036"/>
+              <a:gd name="connsiteY6" fmla="*/ 5473 h 506277"/>
+              <a:gd name="connsiteX7" fmla="*/ 801982 w 1038036"/>
+              <a:gd name="connsiteY7" fmla="*/ 10242 h 506277"/>
+              <a:gd name="connsiteX8" fmla="*/ 1030951 w 1038036"/>
+              <a:gd name="connsiteY8" fmla="*/ 239185 h 506277"/>
+              <a:gd name="connsiteX9" fmla="*/ 1030951 w 1038036"/>
+              <a:gd name="connsiteY9" fmla="*/ 267797 h 506277"/>
+              <a:gd name="connsiteX10" fmla="*/ 801982 w 1038036"/>
+              <a:gd name="connsiteY10" fmla="*/ 496740 h 506277"/>
+              <a:gd name="connsiteX11" fmla="*/ 797001 w 1038036"/>
+              <a:gd name="connsiteY11" fmla="*/ 501508 h 506277"/>
+              <a:gd name="connsiteX12" fmla="*/ 782744 w 1038036"/>
+              <a:gd name="connsiteY12" fmla="*/ 506277 h 506277"/>
+              <a:gd name="connsiteX13" fmla="*/ 692049 w 1038036"/>
+              <a:gd name="connsiteY13" fmla="*/ 506277 h 506277"/>
+              <a:gd name="connsiteX14" fmla="*/ 291705 w 1038036"/>
+              <a:gd name="connsiteY14" fmla="*/ 505140 h 506277"/>
+              <a:gd name="connsiteX15" fmla="*/ 291705 w 1038036"/>
+              <a:gd name="connsiteY15" fmla="*/ 506277 h 506277"/>
+              <a:gd name="connsiteX16" fmla="*/ 0 w 1038036"/>
+              <a:gd name="connsiteY16" fmla="*/ 506277 h 506277"/>
+            </a:gdLst>
+            <a:ahLst/>
+            <a:cxnLst>
+              <a:cxn ang="0">
+                <a:pos x="connsiteX0" y="connsiteY0"/>
+              </a:cxn>
+              <a:cxn ang="0">
+                <a:pos x="connsiteX1" y="connsiteY1"/>
+              </a:cxn>
+              <a:cxn ang="0">
+                <a:pos x="connsiteX2" y="connsiteY2"/>
+              </a:cxn>
+              <a:cxn ang="0">
+                <a:pos x="connsiteX3" y="connsiteY3"/>
+              </a:cxn>
+              <a:cxn ang="0">
+                <a:pos x="connsiteX4" y="connsiteY4"/>
+              </a:cxn>
+              <a:cxn ang="0">
+                <a:pos x="connsiteX5" y="connsiteY5"/>
+              </a:cxn>
+              <a:cxn ang="0">
+                <a:pos x="connsiteX6" y="connsiteY6"/>
+              </a:cxn>
+              <a:cxn ang="0">
+                <a:pos x="connsiteX7" y="connsiteY7"/>
+              </a:cxn>
+              <a:cxn ang="0">
+                <a:pos x="connsiteX8" y="connsiteY8"/>
+              </a:cxn>
+              <a:cxn ang="0">
+                <a:pos x="connsiteX9" y="connsiteY9"/>
+              </a:cxn>
+              <a:cxn ang="0">
+                <a:pos x="connsiteX10" y="connsiteY10"/>
+              </a:cxn>
+              <a:cxn ang="0">
+                <a:pos x="connsiteX11" y="connsiteY11"/>
+              </a:cxn>
+              <a:cxn ang="0">
+                <a:pos x="connsiteX12" y="connsiteY12"/>
+              </a:cxn>
+              <a:cxn ang="0">
+                <a:pos x="connsiteX13" y="connsiteY13"/>
+              </a:cxn>
+              <a:cxn ang="0">
+                <a:pos x="connsiteX14" y="connsiteY14"/>
+              </a:cxn>
+              <a:cxn ang="0">
+                <a:pos x="connsiteX15" y="connsiteY15"/>
+              </a:cxn>
+              <a:cxn ang="0">
+                <a:pos x="connsiteX16" y="connsiteY16"/>
+              </a:cxn>
+            </a:cxnLst>
+            <a:rect l="l" t="t" r="r" b="b"/>
+            <a:pathLst>
+              <a:path w="1038036" h="506277">
+                <a:moveTo>
+                  <a:pt x="0" y="0"/>
+                </a:moveTo>
+                <a:lnTo>
+                  <a:pt x="182880" y="0"/>
+                </a:lnTo>
+                <a:lnTo>
+                  <a:pt x="291705" y="0"/>
+                </a:lnTo>
+                <a:lnTo>
+                  <a:pt x="291705" y="151"/>
+                </a:lnTo>
+                <a:lnTo>
+                  <a:pt x="692049" y="705"/>
+                </a:lnTo>
+                <a:lnTo>
+                  <a:pt x="782744" y="705"/>
+                </a:lnTo>
+                <a:cubicBezTo>
+                  <a:pt x="787553" y="705"/>
+                  <a:pt x="792363" y="5473"/>
+                  <a:pt x="797001" y="5473"/>
+                </a:cubicBezTo>
+                <a:cubicBezTo>
+                  <a:pt x="797001" y="10242"/>
+                  <a:pt x="801982" y="10242"/>
+                  <a:pt x="801982" y="10242"/>
+                </a:cubicBezTo>
+                <a:lnTo>
+                  <a:pt x="1030951" y="239185"/>
+                </a:lnTo>
+                <a:cubicBezTo>
+                  <a:pt x="1040398" y="248722"/>
+                  <a:pt x="1040398" y="258259"/>
+                  <a:pt x="1030951" y="267797"/>
+                </a:cubicBezTo>
+                <a:lnTo>
+                  <a:pt x="801982" y="496740"/>
+                </a:lnTo>
+                <a:cubicBezTo>
+                  <a:pt x="800436" y="498363"/>
+                  <a:pt x="798547" y="499885"/>
+                  <a:pt x="797001" y="501508"/>
+                </a:cubicBezTo>
+                <a:cubicBezTo>
+                  <a:pt x="792363" y="506277"/>
+                  <a:pt x="787553" y="506277"/>
+                  <a:pt x="782744" y="506277"/>
+                </a:cubicBezTo>
+                <a:lnTo>
+                  <a:pt x="692049" y="506277"/>
+                </a:lnTo>
+                <a:lnTo>
+                  <a:pt x="291705" y="505140"/>
+                </a:lnTo>
+                <a:lnTo>
+                  <a:pt x="291705" y="506277"/>
+                </a:lnTo>
+                <a:lnTo>
+                  <a:pt x="0" y="506277"/>
+                </a:lnTo>
+                <a:close/>
+              </a:path>
+            </a:pathLst>
+          </a:custGeom>
+          <a:ln>
+            <a:noFill/>
+          </a:ln>
+        </p:spPr>
+        <p:style>
+          <a:lnRef idx="2">
+            <a:schemeClr val="accent1">
+              <a:shade val="50000"/>
+            </a:schemeClr>
+          </a:lnRef>
+          <a:fillRef idx="1">
+            <a:schemeClr val="accent1"/>
+          </a:fillRef>
+          <a:effectRef idx="0">
+            <a:schemeClr val="accent1"/>
+          </a:effectRef>
+          <a:fontRef idx="minor">
+            <a:schemeClr val="lt1"/>
+          </a:fontRef>
+        </p:style>
+        <p:txBody>
+          <a:bodyPr rtlCol="0" anchor="ctr"/>
+          <a:lstStyle/>
+          <a:p>
+            <a:pPr algn="ctr"/>
+            <a:endParaRPr lang="en-US"/>
+          </a:p>
+        </p:txBody>
+      </p:sp>
+    </p:spTree>
+    <p:extLst>
+      <p:ext uri="{BB962C8B-B14F-4D97-AF65-F5344CB8AC3E}">
+        <p14:creationId xmlns:p14="http://schemas.microsoft.com/office/powerpoint/2010/main" val="3812790492"/>
+      </p:ext>
+    </p:extLst>
+  </p:cSld>
+  <p:clrMapOvr>
+    <a:masterClrMapping/>
+  </p:clrMapOvr>
+</p:sld>
+</file>
+
+<file path=ppt/slides/slide5.xml><?xml version="1.0" encoding="utf-8"?>
+<p:sld xmlns:a="http://schemas.openxmlformats.org/drawingml/2006/main" xmlns:r="http://schemas.openxmlformats.org/officeDocument/2006/relationships" xmlns:p="http://schemas.openxmlformats.org/presentationml/2006/main">
+  <p:cSld>
+    <p:bg>
+      <p:bgPr>
+        <a:gradFill rotWithShape="1">
+          <a:gsLst>
+            <a:gs pos="0">
+              <a:schemeClr val="bg2">
+                <a:tint val="90000"/>
+                <a:satMod val="92000"/>
+                <a:lumMod val="120000"/>
+              </a:schemeClr>
+            </a:gs>
+            <a:gs pos="100000">
+              <a:schemeClr val="bg2">
+                <a:shade val="98000"/>
+                <a:satMod val="120000"/>
+                <a:lumMod val="98000"/>
+              </a:schemeClr>
+            </a:gs>
+          </a:gsLst>
+          <a:path path="circle">
+            <a:fillToRect l="50000" t="50000" r="100000" b="100000"/>
+          </a:path>
+        </a:gradFill>
+        <a:effectLst/>
+      </p:bgPr>
+    </p:bg>
+    <p:spTree>
+      <p:nvGrpSpPr>
+        <p:cNvPr id="1" name=""/>
+        <p:cNvGrpSpPr/>
+        <p:nvPr/>
+      </p:nvGrpSpPr>
+      <p:grpSpPr>
+        <a:xfrm>
+          <a:off x="0" y="0"/>
+          <a:ext cx="0" cy="0"/>
+          <a:chOff x="0" y="0"/>
+          <a:chExt cx="0" cy="0"/>
+        </a:xfrm>
+      </p:grpSpPr>
+      <p:sp>
+        <p:nvSpPr>
+          <p:cNvPr id="2" name="Title 1">
+            <a:extLst>
+              <a:ext uri="{FF2B5EF4-FFF2-40B4-BE49-F238E27FC236}">
+                <a16:creationId xmlns:a16="http://schemas.microsoft.com/office/drawing/2014/main" id="{3162E0D2-2E72-4F7A-8BCC-1020B8F1652E}"/>
+              </a:ext>
+            </a:extLst>
+          </p:cNvPr>
+          <p:cNvSpPr>
+            <a:spLocks noGrp="1"/>
+          </p:cNvSpPr>
+          <p:nvPr>
+            <p:ph type="title"/>
+          </p:nvPr>
+        </p:nvSpPr>
+        <p:spPr>
+          <a:xfrm>
+            <a:off x="1687669" y="624110"/>
+            <a:ext cx="4137059" cy="1280890"/>
+          </a:xfrm>
+        </p:spPr>
+        <p:txBody>
+          <a:bodyPr>
+            <a:normAutofit/>
+          </a:bodyPr>
+          <a:lstStyle/>
+          <a:p>
+            <a:r>
+              <a:rPr lang="en-US" sz="3200"/>
+              <a:t>Computer vision và Deep learning</a:t>
+            </a:r>
+          </a:p>
+        </p:txBody>
+      </p:sp>
+      <p:sp>
+        <p:nvSpPr>
+          <p:cNvPr id="5" name="Content Placeholder 4">
+            <a:extLst>
+              <a:ext uri="{FF2B5EF4-FFF2-40B4-BE49-F238E27FC236}">
+                <a16:creationId xmlns:a16="http://schemas.microsoft.com/office/drawing/2014/main" id="{5FABE67B-6C69-419E-AFE4-CF297D05DC1B}"/>
+              </a:ext>
+            </a:extLst>
+          </p:cNvPr>
+          <p:cNvSpPr>
+            <a:spLocks noGrp="1"/>
+          </p:cNvSpPr>
+          <p:nvPr>
+            <p:ph idx="1"/>
+          </p:nvPr>
+        </p:nvSpPr>
+        <p:spPr>
+          <a:xfrm>
+            <a:off x="1683956" y="2133600"/>
+            <a:ext cx="4140772" cy="3777622"/>
+          </a:xfrm>
+        </p:spPr>
+        <p:txBody>
+          <a:bodyPr>
+            <a:normAutofit/>
+          </a:bodyPr>
+          <a:lstStyle/>
+          <a:p>
+            <a:r>
+              <a:rPr lang="en-US">
+                <a:solidFill>
+                  <a:srgbClr val="000000"/>
+                </a:solidFill>
+              </a:rPr>
+              <a:t>Image Processing: Nhận đầu vào là 1 hình ảnh, đầu ra là 1 hình ảnh đã đ</a:t>
+            </a:r>
+            <a:r>
+              <a:rPr lang="vi-VN">
+                <a:solidFill>
+                  <a:srgbClr val="000000"/>
+                </a:solidFill>
+              </a:rPr>
+              <a:t>ư</a:t>
+            </a:r>
+            <a:r>
+              <a:rPr lang="en-US">
+                <a:solidFill>
+                  <a:srgbClr val="000000"/>
+                </a:solidFill>
+              </a:rPr>
+              <a:t>ợc xử lí cho 1 mục đích j đó: Làm mờ, thay đổi kích cỡ, cắt gọt …</a:t>
+            </a:r>
+          </a:p>
+          <a:p>
+            <a:r>
+              <a:rPr lang="en-US">
+                <a:solidFill>
+                  <a:srgbClr val="000000"/>
+                </a:solidFill>
+              </a:rPr>
+              <a:t>Computer vision: Hiểu thông tin của hình ảnh</a:t>
+            </a:r>
+          </a:p>
+          <a:p>
+            <a:endParaRPr lang="en-US">
+              <a:solidFill>
+                <a:srgbClr val="000000"/>
+              </a:solidFill>
+            </a:endParaRPr>
+          </a:p>
+        </p:txBody>
+      </p:sp>
+      <p:pic>
+        <p:nvPicPr>
+          <p:cNvPr id="9" name="Content Placeholder 3">
+            <a:extLst>
+              <a:ext uri="{FF2B5EF4-FFF2-40B4-BE49-F238E27FC236}">
+                <a16:creationId xmlns:a16="http://schemas.microsoft.com/office/drawing/2014/main" id="{76824A4B-54ED-41F1-BF58-6BAAC2B065B4}"/>
+              </a:ext>
+            </a:extLst>
+          </p:cNvPr>
+          <p:cNvPicPr>
+            <a:picLocks noChangeAspect="1"/>
+          </p:cNvPicPr>
+          <p:nvPr/>
+        </p:nvPicPr>
+        <p:blipFill>
+          <a:blip r:embed="rId2"/>
+          <a:stretch>
+            <a:fillRect/>
+          </a:stretch>
+        </p:blipFill>
+        <p:spPr>
+          <a:xfrm>
+            <a:off x="6091916" y="1592604"/>
+            <a:ext cx="5451627" cy="3352750"/>
+          </a:xfrm>
+          <a:prstGeom prst="rect">
+            <a:avLst/>
+          </a:prstGeom>
+        </p:spPr>
+      </p:pic>
+    </p:spTree>
+    <p:extLst>
+      <p:ext uri="{BB962C8B-B14F-4D97-AF65-F5344CB8AC3E}">
+        <p14:creationId xmlns:p14="http://schemas.microsoft.com/office/powerpoint/2010/main" val="3055416715"/>
       </p:ext>
     </p:extLst>
   </p:cSld>
